--- a/발표자료/1-2_Preparing_MachineLearning.pptx
+++ b/발표자료/1-2_Preparing_MachineLearning.pptx
@@ -287,7 +287,7 @@
           <a:p>
             <a:fld id="{F236C2F1-C126-40F8-9B3B-E304D5D9B0E1}" type="datetimeFigureOut">
               <a:rPr lang="ko-KR" altLang="en-US" smtClean="0"/>
-              <a:t>2022-04-04</a:t>
+              <a:t>2022-04-12</a:t>
             </a:fld>
             <a:endParaRPr lang="ko-KR" altLang="en-US"/>
           </a:p>
@@ -485,7 +485,7 @@
           <a:p>
             <a:fld id="{F236C2F1-C126-40F8-9B3B-E304D5D9B0E1}" type="datetimeFigureOut">
               <a:rPr lang="ko-KR" altLang="en-US" smtClean="0"/>
-              <a:t>2022-04-04</a:t>
+              <a:t>2022-04-12</a:t>
             </a:fld>
             <a:endParaRPr lang="ko-KR" altLang="en-US"/>
           </a:p>
@@ -693,7 +693,7 @@
           <a:p>
             <a:fld id="{F236C2F1-C126-40F8-9B3B-E304D5D9B0E1}" type="datetimeFigureOut">
               <a:rPr lang="ko-KR" altLang="en-US" smtClean="0"/>
-              <a:t>2022-04-04</a:t>
+              <a:t>2022-04-12</a:t>
             </a:fld>
             <a:endParaRPr lang="ko-KR" altLang="en-US"/>
           </a:p>
@@ -891,7 +891,7 @@
           <a:p>
             <a:fld id="{F236C2F1-C126-40F8-9B3B-E304D5D9B0E1}" type="datetimeFigureOut">
               <a:rPr lang="ko-KR" altLang="en-US" smtClean="0"/>
-              <a:t>2022-04-04</a:t>
+              <a:t>2022-04-12</a:t>
             </a:fld>
             <a:endParaRPr lang="ko-KR" altLang="en-US"/>
           </a:p>
@@ -1166,7 +1166,7 @@
           <a:p>
             <a:fld id="{F236C2F1-C126-40F8-9B3B-E304D5D9B0E1}" type="datetimeFigureOut">
               <a:rPr lang="ko-KR" altLang="en-US" smtClean="0"/>
-              <a:t>2022-04-04</a:t>
+              <a:t>2022-04-12</a:t>
             </a:fld>
             <a:endParaRPr lang="ko-KR" altLang="en-US"/>
           </a:p>
@@ -1431,7 +1431,7 @@
           <a:p>
             <a:fld id="{F236C2F1-C126-40F8-9B3B-E304D5D9B0E1}" type="datetimeFigureOut">
               <a:rPr lang="ko-KR" altLang="en-US" smtClean="0"/>
-              <a:t>2022-04-04</a:t>
+              <a:t>2022-04-12</a:t>
             </a:fld>
             <a:endParaRPr lang="ko-KR" altLang="en-US"/>
           </a:p>
@@ -1843,7 +1843,7 @@
           <a:p>
             <a:fld id="{F236C2F1-C126-40F8-9B3B-E304D5D9B0E1}" type="datetimeFigureOut">
               <a:rPr lang="ko-KR" altLang="en-US" smtClean="0"/>
-              <a:t>2022-04-04</a:t>
+              <a:t>2022-04-12</a:t>
             </a:fld>
             <a:endParaRPr lang="ko-KR" altLang="en-US"/>
           </a:p>
@@ -1984,7 +1984,7 @@
           <a:p>
             <a:fld id="{F236C2F1-C126-40F8-9B3B-E304D5D9B0E1}" type="datetimeFigureOut">
               <a:rPr lang="ko-KR" altLang="en-US" smtClean="0"/>
-              <a:t>2022-04-04</a:t>
+              <a:t>2022-04-12</a:t>
             </a:fld>
             <a:endParaRPr lang="ko-KR" altLang="en-US"/>
           </a:p>
@@ -2097,7 +2097,7 @@
           <a:p>
             <a:fld id="{F236C2F1-C126-40F8-9B3B-E304D5D9B0E1}" type="datetimeFigureOut">
               <a:rPr lang="ko-KR" altLang="en-US" smtClean="0"/>
-              <a:t>2022-04-04</a:t>
+              <a:t>2022-04-12</a:t>
             </a:fld>
             <a:endParaRPr lang="ko-KR" altLang="en-US"/>
           </a:p>
@@ -2408,7 +2408,7 @@
           <a:p>
             <a:fld id="{F236C2F1-C126-40F8-9B3B-E304D5D9B0E1}" type="datetimeFigureOut">
               <a:rPr lang="ko-KR" altLang="en-US" smtClean="0"/>
-              <a:t>2022-04-04</a:t>
+              <a:t>2022-04-12</a:t>
             </a:fld>
             <a:endParaRPr lang="ko-KR" altLang="en-US"/>
           </a:p>
@@ -2696,7 +2696,7 @@
           <a:p>
             <a:fld id="{F236C2F1-C126-40F8-9B3B-E304D5D9B0E1}" type="datetimeFigureOut">
               <a:rPr lang="ko-KR" altLang="en-US" smtClean="0"/>
-              <a:t>2022-04-04</a:t>
+              <a:t>2022-04-12</a:t>
             </a:fld>
             <a:endParaRPr lang="ko-KR" altLang="en-US"/>
           </a:p>
@@ -2937,7 +2937,7 @@
           <a:p>
             <a:fld id="{F236C2F1-C126-40F8-9B3B-E304D5D9B0E1}" type="datetimeFigureOut">
               <a:rPr lang="ko-KR" altLang="en-US" smtClean="0"/>
-              <a:t>2022-04-04</a:t>
+              <a:t>2022-04-12</a:t>
             </a:fld>
             <a:endParaRPr lang="ko-KR" altLang="en-US"/>
           </a:p>
@@ -3461,6 +3461,52 @@
           </a:prstGeom>
         </p:spPr>
       </p:pic>
+      <p:sp>
+        <p:nvSpPr>
+          <p:cNvPr id="5" name="TextBox 4">
+            <a:extLst>
+              <a:ext uri="{FF2B5EF4-FFF2-40B4-BE49-F238E27FC236}">
+                <a16:creationId xmlns:a16="http://schemas.microsoft.com/office/drawing/2014/main" id="{BF182DE2-2AE2-49F2-AF1E-8FE46243B7B4}"/>
+              </a:ext>
+            </a:extLst>
+          </p:cNvPr>
+          <p:cNvSpPr txBox="1"/>
+          <p:nvPr/>
+        </p:nvSpPr>
+        <p:spPr>
+          <a:xfrm>
+            <a:off x="0" y="6211669"/>
+            <a:ext cx="2805576" cy="646331"/>
+          </a:xfrm>
+          <a:prstGeom prst="rect">
+            <a:avLst/>
+          </a:prstGeom>
+          <a:noFill/>
+        </p:spPr>
+        <p:txBody>
+          <a:bodyPr wrap="none" rtlCol="0">
+            <a:spAutoFit/>
+          </a:bodyPr>
+          <a:lstStyle/>
+          <a:p>
+            <a:r>
+              <a:rPr lang="ko-KR" altLang="en-US" dirty="0"/>
+              <a:t>경희대학교 컴퓨터공학과</a:t>
+            </a:r>
+            <a:endParaRPr lang="en-US" altLang="ko-KR" dirty="0"/>
+          </a:p>
+          <a:p>
+            <a:r>
+              <a:rPr lang="en-US" altLang="ko-KR" dirty="0"/>
+              <a:t>2019102191 </a:t>
+            </a:r>
+            <a:r>
+              <a:rPr lang="ko-KR" altLang="en-US" dirty="0"/>
+              <a:t>신주영</a:t>
+            </a:r>
+          </a:p>
+        </p:txBody>
+      </p:sp>
     </p:spTree>
     <p:extLst>
       <p:ext uri="{BB962C8B-B14F-4D97-AF65-F5344CB8AC3E}">
